--- a/03. GitLab - tutorial - Version Control Exercise - git.pptx
+++ b/03. GitLab - tutorial - Version Control Exercise - git.pptx
@@ -5,7 +5,7 @@
     <p:sldMasterId id="2147483648" r:id="rId1"/>
   </p:sldMasterIdLst>
   <p:notesMasterIdLst>
-    <p:notesMasterId r:id="rId32"/>
+    <p:notesMasterId r:id="rId31"/>
   </p:notesMasterIdLst>
   <p:sldIdLst>
     <p:sldId id="310" r:id="rId2"/>
@@ -30,14 +30,13 @@
     <p:sldId id="297" r:id="rId21"/>
     <p:sldId id="267" r:id="rId22"/>
     <p:sldId id="268" r:id="rId23"/>
-    <p:sldId id="284" r:id="rId24"/>
-    <p:sldId id="311" r:id="rId25"/>
-    <p:sldId id="285" r:id="rId26"/>
-    <p:sldId id="286" r:id="rId27"/>
-    <p:sldId id="291" r:id="rId28"/>
-    <p:sldId id="292" r:id="rId29"/>
-    <p:sldId id="277" r:id="rId30"/>
-    <p:sldId id="259" r:id="rId31"/>
+    <p:sldId id="311" r:id="rId24"/>
+    <p:sldId id="285" r:id="rId25"/>
+    <p:sldId id="286" r:id="rId26"/>
+    <p:sldId id="291" r:id="rId27"/>
+    <p:sldId id="292" r:id="rId28"/>
+    <p:sldId id="277" r:id="rId29"/>
+    <p:sldId id="259" r:id="rId30"/>
   </p:sldIdLst>
   <p:sldSz cx="9144000" cy="5143500" type="screen16x9"/>
   <p:notesSz cx="6858000" cy="9144000"/>
@@ -221,7 +220,7 @@
           <a:p>
             <a:fld id="{F4CC630C-9AF6-49E5-9919-D038F5C57BFC}" type="datetimeFigureOut">
               <a:rPr lang="en-US" smtClean="0"/>
-              <a:t>3/23/2021</a:t>
+              <a:t>3/24/2021</a:t>
             </a:fld>
             <a:endParaRPr lang="en-US"/>
           </a:p>
@@ -670,7 +669,7 @@
           <a:p>
             <a:fld id="{F19922E3-32CA-40BB-949D-A04DA951D7AE}" type="datetimeFigureOut">
               <a:rPr lang="en-US" smtClean="0"/>
-              <a:t>3/23/2021</a:t>
+              <a:t>3/24/2021</a:t>
             </a:fld>
             <a:endParaRPr lang="en-US"/>
           </a:p>
@@ -840,7 +839,7 @@
           <a:p>
             <a:fld id="{F19922E3-32CA-40BB-949D-A04DA951D7AE}" type="datetimeFigureOut">
               <a:rPr lang="en-US" smtClean="0"/>
-              <a:t>3/23/2021</a:t>
+              <a:t>3/24/2021</a:t>
             </a:fld>
             <a:endParaRPr lang="en-US"/>
           </a:p>
@@ -1020,7 +1019,7 @@
           <a:p>
             <a:fld id="{F19922E3-32CA-40BB-949D-A04DA951D7AE}" type="datetimeFigureOut">
               <a:rPr lang="en-US" smtClean="0"/>
-              <a:t>3/23/2021</a:t>
+              <a:t>3/24/2021</a:t>
             </a:fld>
             <a:endParaRPr lang="en-US"/>
           </a:p>
@@ -1190,7 +1189,7 @@
           <a:p>
             <a:fld id="{F19922E3-32CA-40BB-949D-A04DA951D7AE}" type="datetimeFigureOut">
               <a:rPr lang="en-US" smtClean="0"/>
-              <a:t>3/23/2021</a:t>
+              <a:t>3/24/2021</a:t>
             </a:fld>
             <a:endParaRPr lang="en-US"/>
           </a:p>
@@ -1436,7 +1435,7 @@
           <a:p>
             <a:fld id="{F19922E3-32CA-40BB-949D-A04DA951D7AE}" type="datetimeFigureOut">
               <a:rPr lang="en-US" smtClean="0"/>
-              <a:t>3/23/2021</a:t>
+              <a:t>3/24/2021</a:t>
             </a:fld>
             <a:endParaRPr lang="en-US"/>
           </a:p>
@@ -1724,7 +1723,7 @@
           <a:p>
             <a:fld id="{F19922E3-32CA-40BB-949D-A04DA951D7AE}" type="datetimeFigureOut">
               <a:rPr lang="en-US" smtClean="0"/>
-              <a:t>3/23/2021</a:t>
+              <a:t>3/24/2021</a:t>
             </a:fld>
             <a:endParaRPr lang="en-US"/>
           </a:p>
@@ -2151,7 +2150,7 @@
           <a:p>
             <a:fld id="{F19922E3-32CA-40BB-949D-A04DA951D7AE}" type="datetimeFigureOut">
               <a:rPr lang="en-US" smtClean="0"/>
-              <a:t>3/23/2021</a:t>
+              <a:t>3/24/2021</a:t>
             </a:fld>
             <a:endParaRPr lang="en-US"/>
           </a:p>
@@ -2269,7 +2268,7 @@
           <a:p>
             <a:fld id="{F19922E3-32CA-40BB-949D-A04DA951D7AE}" type="datetimeFigureOut">
               <a:rPr lang="en-US" smtClean="0"/>
-              <a:t>3/23/2021</a:t>
+              <a:t>3/24/2021</a:t>
             </a:fld>
             <a:endParaRPr lang="en-US"/>
           </a:p>
@@ -2364,7 +2363,7 @@
           <a:p>
             <a:fld id="{F19922E3-32CA-40BB-949D-A04DA951D7AE}" type="datetimeFigureOut">
               <a:rPr lang="en-US" smtClean="0"/>
-              <a:t>3/23/2021</a:t>
+              <a:t>3/24/2021</a:t>
             </a:fld>
             <a:endParaRPr lang="en-US"/>
           </a:p>
@@ -2641,7 +2640,7 @@
           <a:p>
             <a:fld id="{F19922E3-32CA-40BB-949D-A04DA951D7AE}" type="datetimeFigureOut">
               <a:rPr lang="en-US" smtClean="0"/>
-              <a:t>3/23/2021</a:t>
+              <a:t>3/24/2021</a:t>
             </a:fld>
             <a:endParaRPr lang="en-US"/>
           </a:p>
@@ -2894,7 +2893,7 @@
           <a:p>
             <a:fld id="{F19922E3-32CA-40BB-949D-A04DA951D7AE}" type="datetimeFigureOut">
               <a:rPr lang="en-US" smtClean="0"/>
-              <a:t>3/23/2021</a:t>
+              <a:t>3/24/2021</a:t>
             </a:fld>
             <a:endParaRPr lang="en-US"/>
           </a:p>
@@ -3116,7 +3115,7 @@
           <a:p>
             <a:fld id="{F19922E3-32CA-40BB-949D-A04DA951D7AE}" type="datetimeFigureOut">
               <a:rPr lang="en-US" smtClean="0"/>
-              <a:t>3/23/2021</a:t>
+              <a:t>3/24/2021</a:t>
             </a:fld>
             <a:endParaRPr lang="en-US"/>
           </a:p>
@@ -6865,355 +6864,6 @@
             </a:r>
             <a:r>
               <a:rPr lang="pl-PL" sz="1200" dirty="0" smtClean="0"/>
-              <a:t>/</a:t>
-            </a:r>
-            <a:r>
-              <a:rPr lang="pl-PL" sz="1200" dirty="0" err="1" smtClean="0"/>
-              <a:t>TestRepo</a:t>
-            </a:r>
-          </a:p>
-          <a:p>
-            <a:r>
-              <a:rPr lang="pl-PL" sz="1200" dirty="0" smtClean="0"/>
-              <a:t>Zainicjalizować repozytorium</a:t>
-            </a:r>
-          </a:p>
-          <a:p>
-            <a:pPr marL="0" indent="0">
-              <a:buNone/>
-            </a:pPr>
-            <a:endParaRPr lang="pl-PL" sz="1200" dirty="0" smtClean="0"/>
-          </a:p>
-          <a:p>
-            <a:pPr marL="0" indent="0">
-              <a:buNone/>
-            </a:pPr>
-            <a:endParaRPr lang="pl-PL" sz="1200" dirty="0" smtClean="0"/>
-          </a:p>
-          <a:p>
-            <a:pPr marL="0" indent="0">
-              <a:buNone/>
-            </a:pPr>
-            <a:endParaRPr lang="pl-PL" sz="1200" dirty="0" smtClean="0"/>
-          </a:p>
-          <a:p>
-            <a:r>
-              <a:rPr lang="pl-PL" sz="1200" dirty="0" smtClean="0"/>
-              <a:t>Sprawdzić status</a:t>
-            </a:r>
-          </a:p>
-          <a:p>
-            <a:pPr marL="0" indent="0">
-              <a:buNone/>
-            </a:pPr>
-            <a:endParaRPr lang="pl-PL" sz="1200" dirty="0" smtClean="0"/>
-          </a:p>
-          <a:p>
-            <a:pPr marL="0" indent="0">
-              <a:buNone/>
-            </a:pPr>
-            <a:endParaRPr lang="pl-PL" sz="1200" dirty="0" smtClean="0"/>
-          </a:p>
-          <a:p>
-            <a:pPr marL="0" indent="0">
-              <a:buNone/>
-            </a:pPr>
-            <a:endParaRPr lang="pl-PL" sz="1200" dirty="0" smtClean="0"/>
-          </a:p>
-          <a:p>
-            <a:r>
-              <a:rPr lang="pl-PL" sz="1200" dirty="0" smtClean="0"/>
-              <a:t>Sprawdzić historię komitów</a:t>
-            </a:r>
-          </a:p>
-          <a:p>
-            <a:pPr marL="0" indent="0">
-              <a:buNone/>
-            </a:pPr>
-            <a:endParaRPr lang="pl-PL" sz="1200" dirty="0" smtClean="0"/>
-          </a:p>
-          <a:p>
-            <a:pPr marL="0" indent="0">
-              <a:buNone/>
-            </a:pPr>
-            <a:endParaRPr lang="pl-PL" sz="1200" dirty="0" smtClean="0"/>
-          </a:p>
-          <a:p>
-            <a:pPr marL="0" indent="0">
-              <a:buNone/>
-            </a:pPr>
-            <a:endParaRPr lang="pl-PL" sz="1200" dirty="0" smtClean="0">
-              <a:latin typeface="Lucida Console" panose="020B0609040504020204" pitchFamily="49" charset="0"/>
-            </a:endParaRPr>
-          </a:p>
-        </p:txBody>
-      </p:sp>
-      <p:pic>
-        <p:nvPicPr>
-          <p:cNvPr id="1037" name="Picture 13"/>
-          <p:cNvPicPr>
-            <a:picLocks noChangeAspect="1" noChangeArrowheads="1"/>
-          </p:cNvPicPr>
-          <p:nvPr/>
-        </p:nvPicPr>
-        <p:blipFill>
-          <a:blip r:embed="rId2">
-            <a:extLst>
-              <a:ext uri="{28A0092B-C50C-407E-A947-70E740481C1C}">
-                <a14:useLocalDpi xmlns:a14="http://schemas.microsoft.com/office/drawing/2010/main" val="0"/>
-              </a:ext>
-            </a:extLst>
-          </a:blip>
-          <a:srcRect/>
-          <a:stretch>
-            <a:fillRect/>
-          </a:stretch>
-        </p:blipFill>
-        <p:spPr bwMode="auto">
-          <a:xfrm>
-            <a:off x="1115616" y="1978596"/>
-            <a:ext cx="3672407" cy="421665"/>
-          </a:xfrm>
-          <a:prstGeom prst="rect">
-            <a:avLst/>
-          </a:prstGeom>
-          <a:noFill/>
-          <a:ln>
-            <a:noFill/>
-          </a:ln>
-          <a:effectLst/>
-          <a:extLst>
-            <a:ext uri="{909E8E84-426E-40DD-AFC4-6F175D3DCCD1}">
-              <a14:hiddenFill xmlns:a14="http://schemas.microsoft.com/office/drawing/2010/main">
-                <a:solidFill>
-                  <a:schemeClr val="accent1"/>
-                </a:solidFill>
-              </a14:hiddenFill>
-            </a:ext>
-            <a:ext uri="{91240B29-F687-4F45-9708-019B960494DF}">
-              <a14:hiddenLine xmlns:a14="http://schemas.microsoft.com/office/drawing/2010/main" w="9525">
-                <a:solidFill>
-                  <a:schemeClr val="tx1"/>
-                </a:solidFill>
-                <a:miter lim="800000"/>
-                <a:headEnd/>
-                <a:tailEnd/>
-              </a14:hiddenLine>
-            </a:ext>
-            <a:ext uri="{AF507438-7753-43E0-B8FC-AC1667EBCBE1}">
-              <a14:hiddenEffects xmlns:a14="http://schemas.microsoft.com/office/drawing/2010/main">
-                <a:effectLst>
-                  <a:outerShdw dist="35921" dir="2700000" algn="ctr" rotWithShape="0">
-                    <a:schemeClr val="bg2"/>
-                  </a:outerShdw>
-                </a:effectLst>
-              </a14:hiddenEffects>
-            </a:ext>
-          </a:extLst>
-        </p:spPr>
-      </p:pic>
-      <p:pic>
-        <p:nvPicPr>
-          <p:cNvPr id="1039" name="Picture 15"/>
-          <p:cNvPicPr>
-            <a:picLocks noChangeAspect="1" noChangeArrowheads="1"/>
-          </p:cNvPicPr>
-          <p:nvPr/>
-        </p:nvPicPr>
-        <p:blipFill>
-          <a:blip r:embed="rId3">
-            <a:extLst>
-              <a:ext uri="{28A0092B-C50C-407E-A947-70E740481C1C}">
-                <a14:useLocalDpi xmlns:a14="http://schemas.microsoft.com/office/drawing/2010/main" val="0"/>
-              </a:ext>
-            </a:extLst>
-          </a:blip>
-          <a:srcRect/>
-          <a:stretch>
-            <a:fillRect/>
-          </a:stretch>
-        </p:blipFill>
-        <p:spPr bwMode="auto">
-          <a:xfrm>
-            <a:off x="1115616" y="2921406"/>
-            <a:ext cx="3741885" cy="483905"/>
-          </a:xfrm>
-          <a:prstGeom prst="rect">
-            <a:avLst/>
-          </a:prstGeom>
-          <a:noFill/>
-          <a:ln>
-            <a:noFill/>
-          </a:ln>
-          <a:effectLst/>
-          <a:extLst>
-            <a:ext uri="{909E8E84-426E-40DD-AFC4-6F175D3DCCD1}">
-              <a14:hiddenFill xmlns:a14="http://schemas.microsoft.com/office/drawing/2010/main">
-                <a:solidFill>
-                  <a:schemeClr val="accent1"/>
-                </a:solidFill>
-              </a14:hiddenFill>
-            </a:ext>
-            <a:ext uri="{91240B29-F687-4F45-9708-019B960494DF}">
-              <a14:hiddenLine xmlns:a14="http://schemas.microsoft.com/office/drawing/2010/main" w="9525">
-                <a:solidFill>
-                  <a:schemeClr val="tx1"/>
-                </a:solidFill>
-                <a:miter lim="800000"/>
-                <a:headEnd/>
-                <a:tailEnd/>
-              </a14:hiddenLine>
-            </a:ext>
-            <a:ext uri="{AF507438-7753-43E0-B8FC-AC1667EBCBE1}">
-              <a14:hiddenEffects xmlns:a14="http://schemas.microsoft.com/office/drawing/2010/main">
-                <a:effectLst>
-                  <a:outerShdw dist="35921" dir="2700000" algn="ctr" rotWithShape="0">
-                    <a:schemeClr val="bg2"/>
-                  </a:outerShdw>
-                </a:effectLst>
-              </a14:hiddenEffects>
-            </a:ext>
-          </a:extLst>
-        </p:spPr>
-      </p:pic>
-      <p:pic>
-        <p:nvPicPr>
-          <p:cNvPr id="1041" name="Picture 17"/>
-          <p:cNvPicPr>
-            <a:picLocks noChangeAspect="1" noChangeArrowheads="1"/>
-          </p:cNvPicPr>
-          <p:nvPr/>
-        </p:nvPicPr>
-        <p:blipFill>
-          <a:blip r:embed="rId4">
-            <a:extLst>
-              <a:ext uri="{28A0092B-C50C-407E-A947-70E740481C1C}">
-                <a14:useLocalDpi xmlns:a14="http://schemas.microsoft.com/office/drawing/2010/main" val="0"/>
-              </a:ext>
-            </a:extLst>
-          </a:blip>
-          <a:srcRect/>
-          <a:stretch>
-            <a:fillRect/>
-          </a:stretch>
-        </p:blipFill>
-        <p:spPr bwMode="auto">
-          <a:xfrm>
-            <a:off x="1115616" y="3838294"/>
-            <a:ext cx="3752850" cy="171450"/>
-          </a:xfrm>
-          <a:prstGeom prst="rect">
-            <a:avLst/>
-          </a:prstGeom>
-          <a:noFill/>
-          <a:ln>
-            <a:noFill/>
-          </a:ln>
-          <a:effectLst/>
-          <a:extLst>
-            <a:ext uri="{909E8E84-426E-40DD-AFC4-6F175D3DCCD1}">
-              <a14:hiddenFill xmlns:a14="http://schemas.microsoft.com/office/drawing/2010/main">
-                <a:solidFill>
-                  <a:schemeClr val="accent1"/>
-                </a:solidFill>
-              </a14:hiddenFill>
-            </a:ext>
-            <a:ext uri="{91240B29-F687-4F45-9708-019B960494DF}">
-              <a14:hiddenLine xmlns:a14="http://schemas.microsoft.com/office/drawing/2010/main" w="9525">
-                <a:solidFill>
-                  <a:schemeClr val="tx1"/>
-                </a:solidFill>
-                <a:miter lim="800000"/>
-                <a:headEnd/>
-                <a:tailEnd/>
-              </a14:hiddenLine>
-            </a:ext>
-            <a:ext uri="{AF507438-7753-43E0-B8FC-AC1667EBCBE1}">
-              <a14:hiddenEffects xmlns:a14="http://schemas.microsoft.com/office/drawing/2010/main">
-                <a:effectLst>
-                  <a:outerShdw dist="35921" dir="2700000" algn="ctr" rotWithShape="0">
-                    <a:schemeClr val="bg2"/>
-                  </a:outerShdw>
-                </a:effectLst>
-              </a14:hiddenEffects>
-            </a:ext>
-          </a:extLst>
-        </p:spPr>
-      </p:pic>
-    </p:spTree>
-    <p:extLst>
-      <p:ext uri="{BB962C8B-B14F-4D97-AF65-F5344CB8AC3E}">
-        <p14:creationId xmlns:p14="http://schemas.microsoft.com/office/powerpoint/2010/main" val="472078103"/>
-      </p:ext>
-    </p:extLst>
-  </p:cSld>
-  <p:clrMapOvr>
-    <a:masterClrMapping/>
-  </p:clrMapOvr>
-  <p:timing>
-    <p:tnLst>
-      <p:par>
-        <p:cTn id="1" dur="indefinite" restart="never" nodeType="tmRoot"/>
-      </p:par>
-    </p:tnLst>
-  </p:timing>
-</p:sld>
-</file>
-
-<file path=ppt/slides/slide24.xml><?xml version="1.0" encoding="utf-8"?>
-<p:sld xmlns:a="http://schemas.openxmlformats.org/drawingml/2006/main" xmlns:r="http://schemas.openxmlformats.org/officeDocument/2006/relationships" xmlns:p="http://schemas.openxmlformats.org/presentationml/2006/main">
-  <p:cSld>
-    <p:spTree>
-      <p:nvGrpSpPr>
-        <p:cNvPr id="1" name=""/>
-        <p:cNvGrpSpPr/>
-        <p:nvPr/>
-      </p:nvGrpSpPr>
-      <p:grpSpPr>
-        <a:xfrm>
-          <a:off x="0" y="0"/>
-          <a:ext cx="0" cy="0"/>
-          <a:chOff x="0" y="0"/>
-          <a:chExt cx="0" cy="0"/>
-        </a:xfrm>
-      </p:grpSpPr>
-      <p:sp>
-        <p:nvSpPr>
-          <p:cNvPr id="3" name="Symbol zastępczy zawartości 2"/>
-          <p:cNvSpPr>
-            <a:spLocks noGrp="1"/>
-          </p:cNvSpPr>
-          <p:nvPr>
-            <p:ph idx="1"/>
-          </p:nvPr>
-        </p:nvSpPr>
-        <p:spPr/>
-        <p:txBody>
-          <a:bodyPr>
-            <a:normAutofit/>
-          </a:bodyPr>
-          <a:lstStyle/>
-          <a:p>
-            <a:pPr marL="0" indent="0">
-              <a:buNone/>
-            </a:pPr>
-            <a:r>
-              <a:rPr lang="pl-PL" sz="1800" b="1" dirty="0" smtClean="0"/>
-              <a:t>Przykład</a:t>
-            </a:r>
-            <a:endParaRPr lang="pl-PL" sz="1200" b="1" dirty="0" smtClean="0"/>
-          </a:p>
-          <a:p>
-            <a:r>
-              <a:rPr lang="pl-PL" sz="1200" dirty="0" smtClean="0"/>
-              <a:t>Utworzyć katalog </a:t>
-            </a:r>
-            <a:r>
-              <a:rPr lang="pl-PL" sz="1200" dirty="0" err="1" smtClean="0"/>
-              <a:t>GitRepos</a:t>
-            </a:r>
-            <a:r>
-              <a:rPr lang="pl-PL" sz="1200" dirty="0" smtClean="0"/>
               <a:t>/git-test</a:t>
             </a:r>
           </a:p>
@@ -7227,6 +6877,9 @@
             <a:endParaRPr lang="pl-PL" sz="1200" dirty="0"/>
           </a:p>
           <a:p>
+            <a:pPr marL="0" indent="0">
+              <a:buNone/>
+            </a:pPr>
             <a:endParaRPr lang="pl-PL" sz="1200" dirty="0" smtClean="0"/>
           </a:p>
           <a:p>
@@ -7234,6 +6887,36 @@
               <a:rPr lang="pl-PL" sz="1200" dirty="0" smtClean="0"/>
               <a:t>Zainicjujmy repozytorium</a:t>
             </a:r>
+          </a:p>
+          <a:p>
+            <a:endParaRPr lang="pl-PL" sz="1200" dirty="0"/>
+          </a:p>
+          <a:p>
+            <a:endParaRPr lang="pl-PL" sz="1200" dirty="0" smtClean="0"/>
+          </a:p>
+          <a:p>
+            <a:r>
+              <a:rPr lang="pl-PL" sz="1200" dirty="0" smtClean="0"/>
+              <a:t>Sprawdźmy aktualny status repozytorium</a:t>
+            </a:r>
+          </a:p>
+          <a:p>
+            <a:endParaRPr lang="pl-PL" sz="1200" dirty="0"/>
+          </a:p>
+          <a:p>
+            <a:endParaRPr lang="pl-PL" sz="1200" dirty="0" smtClean="0"/>
+          </a:p>
+          <a:p>
+            <a:endParaRPr lang="pl-PL" sz="1200" dirty="0" smtClean="0"/>
+          </a:p>
+          <a:p>
+            <a:r>
+              <a:rPr lang="pl-PL" sz="1200" dirty="0" smtClean="0"/>
+              <a:t>Dodajmy nowy zasób do katalogu</a:t>
+            </a:r>
+          </a:p>
+          <a:p>
+            <a:endParaRPr lang="pl-PL" sz="1200" dirty="0" smtClean="0"/>
           </a:p>
           <a:p>
             <a:endParaRPr lang="pl-PL" sz="1200" dirty="0" smtClean="0"/>
@@ -7268,7 +6951,7 @@
         </p:blipFill>
         <p:spPr bwMode="auto">
           <a:xfrm>
-            <a:off x="951737" y="1969393"/>
+            <a:off x="899592" y="1995686"/>
             <a:ext cx="4124319" cy="314325"/>
           </a:xfrm>
           <a:prstGeom prst="rect">
@@ -7332,7 +7015,7 @@
         </p:blipFill>
         <p:spPr bwMode="auto">
           <a:xfrm>
-            <a:off x="951736" y="2637256"/>
+            <a:off x="899592" y="2623509"/>
             <a:ext cx="3686175" cy="400050"/>
           </a:xfrm>
           <a:prstGeom prst="rect">
@@ -7406,167 +7089,16 @@
           </a:fontRef>
         </p:style>
       </p:cxnSp>
-    </p:spTree>
-    <p:extLst>
-      <p:ext uri="{BB962C8B-B14F-4D97-AF65-F5344CB8AC3E}">
-        <p14:creationId xmlns:p14="http://schemas.microsoft.com/office/powerpoint/2010/main" val="936267066"/>
-      </p:ext>
-    </p:extLst>
-  </p:cSld>
-  <p:clrMapOvr>
-    <a:masterClrMapping/>
-  </p:clrMapOvr>
-  <p:timing>
-    <p:tnLst>
-      <p:par>
-        <p:cTn id="1" dur="indefinite" restart="never" nodeType="tmRoot"/>
-      </p:par>
-    </p:tnLst>
-  </p:timing>
-</p:sld>
-</file>
-
-<file path=ppt/slides/slide25.xml><?xml version="1.0" encoding="utf-8"?>
-<p:sld xmlns:a="http://schemas.openxmlformats.org/drawingml/2006/main" xmlns:r="http://schemas.openxmlformats.org/officeDocument/2006/relationships" xmlns:p="http://schemas.openxmlformats.org/presentationml/2006/main">
-  <p:cSld>
-    <p:spTree>
-      <p:nvGrpSpPr>
-        <p:cNvPr id="1" name=""/>
-        <p:cNvGrpSpPr/>
-        <p:nvPr/>
-      </p:nvGrpSpPr>
-      <p:grpSpPr>
-        <a:xfrm>
-          <a:off x="0" y="0"/>
-          <a:ext cx="0" cy="0"/>
-          <a:chOff x="0" y="0"/>
-          <a:chExt cx="0" cy="0"/>
-        </a:xfrm>
-      </p:grpSpPr>
-      <p:sp>
-        <p:nvSpPr>
-          <p:cNvPr id="3" name="Symbol zastępczy zawartości 2"/>
-          <p:cNvSpPr>
-            <a:spLocks noGrp="1"/>
-          </p:cNvSpPr>
-          <p:nvPr>
-            <p:ph idx="1"/>
-          </p:nvPr>
-        </p:nvSpPr>
-        <p:spPr/>
-        <p:txBody>
-          <a:bodyPr>
-            <a:normAutofit/>
-          </a:bodyPr>
-          <a:lstStyle/>
-          <a:p>
-            <a:r>
-              <a:rPr lang="pl-PL" sz="1200" dirty="0" smtClean="0">
-                <a:latin typeface="Lucida Console" panose="020B0609040504020204" pitchFamily="49" charset="0"/>
-              </a:rPr>
-              <a:t>Utworzyć plik</a:t>
-            </a:r>
-          </a:p>
-          <a:p>
-            <a:pPr marL="0" indent="0">
-              <a:buNone/>
-            </a:pPr>
-            <a:endParaRPr lang="pl-PL" sz="1200" dirty="0" smtClean="0">
-              <a:latin typeface="Lucida Console" panose="020B0609040504020204" pitchFamily="49" charset="0"/>
-            </a:endParaRPr>
-          </a:p>
-          <a:p>
-            <a:r>
-              <a:rPr lang="pl-PL" sz="1200" dirty="0" smtClean="0">
-                <a:latin typeface="Lucida Console" panose="020B0609040504020204" pitchFamily="49" charset="0"/>
-              </a:rPr>
-              <a:t>Sprawdzić status repozytorium</a:t>
-            </a:r>
-          </a:p>
-          <a:p>
-            <a:pPr marL="0" indent="0">
-              <a:buNone/>
-            </a:pPr>
-            <a:endParaRPr lang="pl-PL" sz="1200" dirty="0">
-              <a:latin typeface="Lucida Console" panose="020B0609040504020204" pitchFamily="49" charset="0"/>
-            </a:endParaRPr>
-          </a:p>
-          <a:p>
-            <a:pPr marL="0" indent="0">
-              <a:buNone/>
-            </a:pPr>
-            <a:endParaRPr lang="pl-PL" sz="1200" dirty="0" smtClean="0">
-              <a:latin typeface="Lucida Console" panose="020B0609040504020204" pitchFamily="49" charset="0"/>
-            </a:endParaRPr>
-          </a:p>
-          <a:p>
-            <a:pPr marL="0" indent="0">
-              <a:buNone/>
-            </a:pPr>
-            <a:endParaRPr lang="pl-PL" sz="1200" dirty="0">
-              <a:latin typeface="Lucida Console" panose="020B0609040504020204" pitchFamily="49" charset="0"/>
-            </a:endParaRPr>
-          </a:p>
-          <a:p>
-            <a:pPr marL="0" indent="0">
-              <a:buNone/>
-            </a:pPr>
-            <a:endParaRPr lang="pl-PL" sz="1200" dirty="0">
-              <a:latin typeface="Lucida Console" panose="020B0609040504020204" pitchFamily="49" charset="0"/>
-            </a:endParaRPr>
-          </a:p>
-          <a:p>
-            <a:pPr marL="0" indent="0">
-              <a:buNone/>
-            </a:pPr>
-            <a:endParaRPr lang="pl-PL" sz="1200" dirty="0">
-              <a:latin typeface="Lucida Console" panose="020B0609040504020204" pitchFamily="49" charset="0"/>
-            </a:endParaRPr>
-          </a:p>
-          <a:p>
-            <a:r>
-              <a:rPr lang="pl-PL" sz="1200" dirty="0" smtClean="0">
-                <a:latin typeface="Lucida Console" panose="020B0609040504020204" pitchFamily="49" charset="0"/>
-              </a:rPr>
-              <a:t>Dodać plik na stage</a:t>
-            </a:r>
-          </a:p>
-          <a:p>
-            <a:pPr marL="0" indent="0">
-              <a:buNone/>
-            </a:pPr>
-            <a:endParaRPr lang="pl-PL" sz="1200" dirty="0" smtClean="0">
-              <a:latin typeface="Lucida Console" panose="020B0609040504020204" pitchFamily="49" charset="0"/>
-            </a:endParaRPr>
-          </a:p>
-          <a:p>
-            <a:r>
-              <a:rPr lang="pl-PL" sz="1200" dirty="0" smtClean="0">
-                <a:latin typeface="Lucida Console" panose="020B0609040504020204" pitchFamily="49" charset="0"/>
-              </a:rPr>
-              <a:t>Ponownie sprawdzić status</a:t>
-            </a:r>
-          </a:p>
-          <a:p>
-            <a:pPr marL="0" indent="0">
-              <a:buNone/>
-            </a:pPr>
-            <a:endParaRPr lang="pl-PL" sz="1200" dirty="0" smtClean="0">
-              <a:latin typeface="Lucida Console" panose="020B0609040504020204" pitchFamily="49" charset="0"/>
-            </a:endParaRPr>
-          </a:p>
-        </p:txBody>
-      </p:sp>
       <p:pic>
         <p:nvPicPr>
-          <p:cNvPr id="1045" name="Picture 21"/>
+          <p:cNvPr id="1033" name="Picture 9"/>
           <p:cNvPicPr>
             <a:picLocks noChangeAspect="1" noChangeArrowheads="1"/>
           </p:cNvPicPr>
           <p:nvPr/>
         </p:nvPicPr>
         <p:blipFill>
-          <a:blip r:embed="rId2">
+          <a:blip r:embed="rId4">
             <a:extLst>
               <a:ext uri="{28A0092B-C50C-407E-A947-70E740481C1C}">
                 <a14:useLocalDpi xmlns:a14="http://schemas.microsoft.com/office/drawing/2010/main" val="0"/>
@@ -7580,8 +7112,8 @@
         </p:blipFill>
         <p:spPr bwMode="auto">
           <a:xfrm>
-            <a:off x="916522" y="1516013"/>
-            <a:ext cx="2843213" cy="95250"/>
+            <a:off x="899592" y="3291830"/>
+            <a:ext cx="3836287" cy="649656"/>
           </a:xfrm>
           <a:prstGeom prst="rect">
             <a:avLst/>
@@ -7623,14 +7155,14 @@
       </p:pic>
       <p:pic>
         <p:nvPicPr>
-          <p:cNvPr id="2053" name="Picture 5"/>
+          <p:cNvPr id="1034" name="Picture 10"/>
           <p:cNvPicPr>
             <a:picLocks noChangeAspect="1" noChangeArrowheads="1"/>
           </p:cNvPicPr>
           <p:nvPr/>
         </p:nvPicPr>
         <p:blipFill>
-          <a:blip r:embed="rId3">
+          <a:blip r:embed="rId5">
             <a:extLst>
               <a:ext uri="{28A0092B-C50C-407E-A947-70E740481C1C}">
                 <a14:useLocalDpi xmlns:a14="http://schemas.microsoft.com/office/drawing/2010/main" val="0"/>
@@ -7644,8 +7176,8 @@
         </p:blipFill>
         <p:spPr bwMode="auto">
           <a:xfrm>
-            <a:off x="916522" y="1923678"/>
-            <a:ext cx="4386949" cy="864096"/>
+            <a:off x="899592" y="4215583"/>
+            <a:ext cx="3476247" cy="226921"/>
           </a:xfrm>
           <a:prstGeom prst="rect">
             <a:avLst/>
@@ -7685,6 +7217,138 @@
           </a:extLst>
         </p:spPr>
       </p:pic>
+    </p:spTree>
+    <p:extLst>
+      <p:ext uri="{BB962C8B-B14F-4D97-AF65-F5344CB8AC3E}">
+        <p14:creationId xmlns:p14="http://schemas.microsoft.com/office/powerpoint/2010/main" val="936267066"/>
+      </p:ext>
+    </p:extLst>
+  </p:cSld>
+  <p:clrMapOvr>
+    <a:masterClrMapping/>
+  </p:clrMapOvr>
+  <p:timing>
+    <p:tnLst>
+      <p:par>
+        <p:cTn id="1" dur="indefinite" restart="never" nodeType="tmRoot"/>
+      </p:par>
+    </p:tnLst>
+  </p:timing>
+</p:sld>
+</file>
+
+<file path=ppt/slides/slide24.xml><?xml version="1.0" encoding="utf-8"?>
+<p:sld xmlns:a="http://schemas.openxmlformats.org/drawingml/2006/main" xmlns:r="http://schemas.openxmlformats.org/officeDocument/2006/relationships" xmlns:p="http://schemas.openxmlformats.org/presentationml/2006/main">
+  <p:cSld>
+    <p:spTree>
+      <p:nvGrpSpPr>
+        <p:cNvPr id="1" name=""/>
+        <p:cNvGrpSpPr/>
+        <p:nvPr/>
+      </p:nvGrpSpPr>
+      <p:grpSpPr>
+        <a:xfrm>
+          <a:off x="0" y="0"/>
+          <a:ext cx="0" cy="0"/>
+          <a:chOff x="0" y="0"/>
+          <a:chExt cx="0" cy="0"/>
+        </a:xfrm>
+      </p:grpSpPr>
+      <p:sp>
+        <p:nvSpPr>
+          <p:cNvPr id="3" name="Symbol zastępczy zawartości 2"/>
+          <p:cNvSpPr>
+            <a:spLocks noGrp="1"/>
+          </p:cNvSpPr>
+          <p:nvPr>
+            <p:ph idx="1"/>
+          </p:nvPr>
+        </p:nvSpPr>
+        <p:spPr/>
+        <p:txBody>
+          <a:bodyPr>
+            <a:normAutofit/>
+          </a:bodyPr>
+          <a:lstStyle/>
+          <a:p>
+            <a:r>
+              <a:rPr lang="pl-PL" sz="1200" dirty="0" smtClean="0">
+                <a:latin typeface="Lucida Console" panose="020B0609040504020204" pitchFamily="49" charset="0"/>
+              </a:rPr>
+              <a:t>Sprawdzić status repozytorium</a:t>
+            </a:r>
+          </a:p>
+          <a:p>
+            <a:endParaRPr lang="pl-PL" sz="1200" dirty="0" smtClean="0">
+              <a:latin typeface="Lucida Console" panose="020B0609040504020204" pitchFamily="49" charset="0"/>
+            </a:endParaRPr>
+          </a:p>
+          <a:p>
+            <a:pPr marL="0" indent="0">
+              <a:buNone/>
+            </a:pPr>
+            <a:endParaRPr lang="pl-PL" sz="1200" dirty="0" smtClean="0">
+              <a:latin typeface="Lucida Console" panose="020B0609040504020204" pitchFamily="49" charset="0"/>
+            </a:endParaRPr>
+          </a:p>
+          <a:p>
+            <a:pPr marL="0" indent="0">
+              <a:buNone/>
+            </a:pPr>
+            <a:endParaRPr lang="pl-PL" sz="1200" dirty="0">
+              <a:latin typeface="Lucida Console" panose="020B0609040504020204" pitchFamily="49" charset="0"/>
+            </a:endParaRPr>
+          </a:p>
+          <a:p>
+            <a:pPr marL="0" indent="0">
+              <a:buNone/>
+            </a:pPr>
+            <a:endParaRPr lang="pl-PL" sz="1200" dirty="0">
+              <a:latin typeface="Lucida Console" panose="020B0609040504020204" pitchFamily="49" charset="0"/>
+            </a:endParaRPr>
+          </a:p>
+          <a:p>
+            <a:pPr marL="0" indent="0">
+              <a:buNone/>
+            </a:pPr>
+            <a:endParaRPr lang="pl-PL" sz="1200" dirty="0">
+              <a:latin typeface="Lucida Console" panose="020B0609040504020204" pitchFamily="49" charset="0"/>
+            </a:endParaRPr>
+          </a:p>
+          <a:p>
+            <a:r>
+              <a:rPr lang="pl-PL" sz="1200" dirty="0" smtClean="0">
+                <a:latin typeface="Lucida Console" panose="020B0609040504020204" pitchFamily="49" charset="0"/>
+              </a:rPr>
+              <a:t>Dodać plik na stage</a:t>
+            </a:r>
+          </a:p>
+          <a:p>
+            <a:pPr marL="0" indent="0">
+              <a:buNone/>
+            </a:pPr>
+            <a:endParaRPr lang="pl-PL" sz="1200" dirty="0" smtClean="0">
+              <a:latin typeface="Lucida Console" panose="020B0609040504020204" pitchFamily="49" charset="0"/>
+            </a:endParaRPr>
+          </a:p>
+          <a:p>
+            <a:r>
+              <a:rPr lang="pl-PL" sz="1200" dirty="0" smtClean="0">
+                <a:latin typeface="Lucida Console" panose="020B0609040504020204" pitchFamily="49" charset="0"/>
+              </a:rPr>
+              <a:t>Ponownie sprawdzić status</a:t>
+            </a:r>
+          </a:p>
+          <a:p>
+            <a:pPr marL="0" indent="0">
+              <a:buNone/>
+            </a:pPr>
+            <a:endParaRPr lang="pl-PL" sz="1200" dirty="0" smtClean="0">
+              <a:latin typeface="Lucida Console" panose="020B0609040504020204" pitchFamily="49" charset="0"/>
+            </a:endParaRPr>
+          </a:p>
+        </p:txBody>
+      </p:sp>
       <p:pic>
         <p:nvPicPr>
           <p:cNvPr id="2057" name="Picture 9"/>
@@ -7694,7 +7358,7 @@
           <p:nvPr/>
         </p:nvPicPr>
         <p:blipFill>
-          <a:blip r:embed="rId4">
+          <a:blip r:embed="rId2">
             <a:extLst>
               <a:ext uri="{28A0092B-C50C-407E-A947-70E740481C1C}">
                 <a14:useLocalDpi xmlns:a14="http://schemas.microsoft.com/office/drawing/2010/main" val="0"/>
@@ -7708,7 +7372,7 @@
         </p:blipFill>
         <p:spPr bwMode="auto">
           <a:xfrm>
-            <a:off x="916522" y="3271391"/>
+            <a:off x="928062" y="2811181"/>
             <a:ext cx="1338833" cy="105697"/>
           </a:xfrm>
           <a:prstGeom prst="rect">
@@ -7758,7 +7422,7 @@
           <p:nvPr/>
         </p:nvPicPr>
         <p:blipFill>
-          <a:blip r:embed="rId5">
+          <a:blip r:embed="rId3">
             <a:extLst>
               <a:ext uri="{28A0092B-C50C-407E-A947-70E740481C1C}">
                 <a14:useLocalDpi xmlns:a14="http://schemas.microsoft.com/office/drawing/2010/main" val="0"/>
@@ -7772,8 +7436,72 @@
         </p:blipFill>
         <p:spPr bwMode="auto">
           <a:xfrm>
-            <a:off x="916522" y="3723878"/>
+            <a:off x="922980" y="3219822"/>
             <a:ext cx="2967946" cy="792088"/>
+          </a:xfrm>
+          <a:prstGeom prst="rect">
+            <a:avLst/>
+          </a:prstGeom>
+          <a:noFill/>
+          <a:ln>
+            <a:noFill/>
+          </a:ln>
+          <a:effectLst/>
+          <a:extLst>
+            <a:ext uri="{909E8E84-426E-40DD-AFC4-6F175D3DCCD1}">
+              <a14:hiddenFill xmlns:a14="http://schemas.microsoft.com/office/drawing/2010/main">
+                <a:solidFill>
+                  <a:schemeClr val="accent1"/>
+                </a:solidFill>
+              </a14:hiddenFill>
+            </a:ext>
+            <a:ext uri="{91240B29-F687-4F45-9708-019B960494DF}">
+              <a14:hiddenLine xmlns:a14="http://schemas.microsoft.com/office/drawing/2010/main" w="9525">
+                <a:solidFill>
+                  <a:schemeClr val="tx1"/>
+                </a:solidFill>
+                <a:miter lim="800000"/>
+                <a:headEnd/>
+                <a:tailEnd/>
+              </a14:hiddenLine>
+            </a:ext>
+            <a:ext uri="{AF507438-7753-43E0-B8FC-AC1667EBCBE1}">
+              <a14:hiddenEffects xmlns:a14="http://schemas.microsoft.com/office/drawing/2010/main">
+                <a:effectLst>
+                  <a:outerShdw dist="35921" dir="2700000" algn="ctr" rotWithShape="0">
+                    <a:schemeClr val="bg2"/>
+                  </a:outerShdw>
+                </a:effectLst>
+              </a14:hiddenEffects>
+            </a:ext>
+          </a:extLst>
+        </p:spPr>
+      </p:pic>
+      <p:pic>
+        <p:nvPicPr>
+          <p:cNvPr id="2050" name="Picture 2"/>
+          <p:cNvPicPr>
+            <a:picLocks noChangeAspect="1" noChangeArrowheads="1"/>
+          </p:cNvPicPr>
+          <p:nvPr/>
+        </p:nvPicPr>
+        <p:blipFill>
+          <a:blip r:embed="rId4">
+            <a:extLst>
+              <a:ext uri="{28A0092B-C50C-407E-A947-70E740481C1C}">
+                <a14:useLocalDpi xmlns:a14="http://schemas.microsoft.com/office/drawing/2010/main" val="0"/>
+              </a:ext>
+            </a:extLst>
+          </a:blip>
+          <a:srcRect/>
+          <a:stretch>
+            <a:fillRect/>
+          </a:stretch>
+        </p:blipFill>
+        <p:spPr bwMode="auto">
+          <a:xfrm>
+            <a:off x="916523" y="1419622"/>
+            <a:ext cx="4472608" cy="1008112"/>
           </a:xfrm>
           <a:prstGeom prst="rect">
             <a:avLst/>
@@ -7833,7 +7561,7 @@
 </p:sld>
 </file>
 
-<file path=ppt/slides/slide26.xml><?xml version="1.0" encoding="utf-8"?>
+<file path=ppt/slides/slide25.xml><?xml version="1.0" encoding="utf-8"?>
 <p:sld xmlns:a="http://schemas.openxmlformats.org/drawingml/2006/main" xmlns:r="http://schemas.openxmlformats.org/officeDocument/2006/relationships" xmlns:p="http://schemas.openxmlformats.org/presentationml/2006/main">
   <p:cSld>
     <p:spTree>
@@ -7871,7 +7599,7 @@
               <a:rPr lang="pl-PL" sz="1200" dirty="0" smtClean="0">
                 <a:latin typeface="Lucida Console" panose="020B0609040504020204" pitchFamily="49" charset="0"/>
               </a:rPr>
-              <a:t>Wykonać </a:t>
+              <a:t>Wykonać pierwszy </a:t>
             </a:r>
             <a:r>
               <a:rPr lang="pl-PL" sz="1200" dirty="0" err="1" smtClean="0">
@@ -7992,70 +7720,6 @@
           </a:p>
         </p:txBody>
       </p:sp>
-      <p:pic>
-        <p:nvPicPr>
-          <p:cNvPr id="2056" name="Picture 8"/>
-          <p:cNvPicPr>
-            <a:picLocks noChangeAspect="1" noChangeArrowheads="1"/>
-          </p:cNvPicPr>
-          <p:nvPr/>
-        </p:nvPicPr>
-        <p:blipFill>
-          <a:blip r:embed="rId2">
-            <a:extLst>
-              <a:ext uri="{28A0092B-C50C-407E-A947-70E740481C1C}">
-                <a14:useLocalDpi xmlns:a14="http://schemas.microsoft.com/office/drawing/2010/main" val="0"/>
-              </a:ext>
-            </a:extLst>
-          </a:blip>
-          <a:srcRect/>
-          <a:stretch>
-            <a:fillRect/>
-          </a:stretch>
-        </p:blipFill>
-        <p:spPr bwMode="auto">
-          <a:xfrm>
-            <a:off x="899592" y="1491630"/>
-            <a:ext cx="3514180" cy="379767"/>
-          </a:xfrm>
-          <a:prstGeom prst="rect">
-            <a:avLst/>
-          </a:prstGeom>
-          <a:noFill/>
-          <a:ln>
-            <a:noFill/>
-          </a:ln>
-          <a:effectLst/>
-          <a:extLst>
-            <a:ext uri="{909E8E84-426E-40DD-AFC4-6F175D3DCCD1}">
-              <a14:hiddenFill xmlns:a14="http://schemas.microsoft.com/office/drawing/2010/main">
-                <a:solidFill>
-                  <a:schemeClr val="accent1"/>
-                </a:solidFill>
-              </a14:hiddenFill>
-            </a:ext>
-            <a:ext uri="{91240B29-F687-4F45-9708-019B960494DF}">
-              <a14:hiddenLine xmlns:a14="http://schemas.microsoft.com/office/drawing/2010/main" w="9525">
-                <a:solidFill>
-                  <a:schemeClr val="tx1"/>
-                </a:solidFill>
-                <a:miter lim="800000"/>
-                <a:headEnd/>
-                <a:tailEnd/>
-              </a14:hiddenLine>
-            </a:ext>
-            <a:ext uri="{AF507438-7753-43E0-B8FC-AC1667EBCBE1}">
-              <a14:hiddenEffects xmlns:a14="http://schemas.microsoft.com/office/drawing/2010/main">
-                <a:effectLst>
-                  <a:outerShdw dist="35921" dir="2700000" algn="ctr" rotWithShape="0">
-                    <a:schemeClr val="bg2"/>
-                  </a:outerShdw>
-                </a:effectLst>
-              </a14:hiddenEffects>
-            </a:ext>
-          </a:extLst>
-        </p:spPr>
-      </p:pic>
       <p:pic>
         <p:nvPicPr>
           <p:cNvPr id="3076" name="Picture 4"/>
@@ -8065,7 +7729,7 @@
           <p:nvPr/>
         </p:nvPicPr>
         <p:blipFill>
-          <a:blip r:embed="rId3">
+          <a:blip r:embed="rId2">
             <a:extLst>
               <a:ext uri="{28A0092B-C50C-407E-A947-70E740481C1C}">
                 <a14:useLocalDpi xmlns:a14="http://schemas.microsoft.com/office/drawing/2010/main" val="0"/>
@@ -8129,7 +7793,7 @@
           <p:nvPr/>
         </p:nvPicPr>
         <p:blipFill>
-          <a:blip r:embed="rId4">
+          <a:blip r:embed="rId3">
             <a:extLst>
               <a:ext uri="{28A0092B-C50C-407E-A947-70E740481C1C}">
                 <a14:useLocalDpi xmlns:a14="http://schemas.microsoft.com/office/drawing/2010/main" val="0"/>
@@ -8143,8 +7807,8 @@
         </p:blipFill>
         <p:spPr bwMode="auto">
           <a:xfrm>
-            <a:off x="899592" y="3920462"/>
-            <a:ext cx="1866795" cy="379480"/>
+            <a:off x="899593" y="3920462"/>
+            <a:ext cx="1728192" cy="351305"/>
           </a:xfrm>
           <a:prstGeom prst="rect">
             <a:avLst/>
@@ -8193,7 +7857,7 @@
           <p:nvPr/>
         </p:nvPicPr>
         <p:blipFill>
-          <a:blip r:embed="rId5">
+          <a:blip r:embed="rId4">
             <a:extLst>
               <a:ext uri="{28A0092B-C50C-407E-A947-70E740481C1C}">
                 <a14:useLocalDpi xmlns:a14="http://schemas.microsoft.com/office/drawing/2010/main" val="0"/>
@@ -8209,6 +7873,70 @@
           <a:xfrm>
             <a:off x="899593" y="3003799"/>
             <a:ext cx="4104456" cy="572104"/>
+          </a:xfrm>
+          <a:prstGeom prst="rect">
+            <a:avLst/>
+          </a:prstGeom>
+          <a:noFill/>
+          <a:ln>
+            <a:noFill/>
+          </a:ln>
+          <a:effectLst/>
+          <a:extLst>
+            <a:ext uri="{909E8E84-426E-40DD-AFC4-6F175D3DCCD1}">
+              <a14:hiddenFill xmlns:a14="http://schemas.microsoft.com/office/drawing/2010/main">
+                <a:solidFill>
+                  <a:schemeClr val="accent1"/>
+                </a:solidFill>
+              </a14:hiddenFill>
+            </a:ext>
+            <a:ext uri="{91240B29-F687-4F45-9708-019B960494DF}">
+              <a14:hiddenLine xmlns:a14="http://schemas.microsoft.com/office/drawing/2010/main" w="9525">
+                <a:solidFill>
+                  <a:schemeClr val="tx1"/>
+                </a:solidFill>
+                <a:miter lim="800000"/>
+                <a:headEnd/>
+                <a:tailEnd/>
+              </a14:hiddenLine>
+            </a:ext>
+            <a:ext uri="{AF507438-7753-43E0-B8FC-AC1667EBCBE1}">
+              <a14:hiddenEffects xmlns:a14="http://schemas.microsoft.com/office/drawing/2010/main">
+                <a:effectLst>
+                  <a:outerShdw dist="35921" dir="2700000" algn="ctr" rotWithShape="0">
+                    <a:schemeClr val="bg2"/>
+                  </a:outerShdw>
+                </a:effectLst>
+              </a14:hiddenEffects>
+            </a:ext>
+          </a:extLst>
+        </p:spPr>
+      </p:pic>
+      <p:pic>
+        <p:nvPicPr>
+          <p:cNvPr id="3074" name="Picture 2"/>
+          <p:cNvPicPr>
+            <a:picLocks noChangeAspect="1" noChangeArrowheads="1"/>
+          </p:cNvPicPr>
+          <p:nvPr/>
+        </p:nvPicPr>
+        <p:blipFill>
+          <a:blip r:embed="rId5">
+            <a:extLst>
+              <a:ext uri="{28A0092B-C50C-407E-A947-70E740481C1C}">
+                <a14:useLocalDpi xmlns:a14="http://schemas.microsoft.com/office/drawing/2010/main" val="0"/>
+              </a:ext>
+            </a:extLst>
+          </a:blip>
+          <a:srcRect/>
+          <a:stretch>
+            <a:fillRect/>
+          </a:stretch>
+        </p:blipFill>
+        <p:spPr bwMode="auto">
+          <a:xfrm>
+            <a:off x="899591" y="1491631"/>
+            <a:ext cx="2880321" cy="446247"/>
           </a:xfrm>
           <a:prstGeom prst="rect">
             <a:avLst/>
@@ -8268,7 +7996,7 @@
 </p:sld>
 </file>
 
-<file path=ppt/slides/slide27.xml><?xml version="1.0" encoding="utf-8"?>
+<file path=ppt/slides/slide26.xml><?xml version="1.0" encoding="utf-8"?>
 <p:sld xmlns:a="http://schemas.openxmlformats.org/drawingml/2006/main" xmlns:r="http://schemas.openxmlformats.org/officeDocument/2006/relationships" xmlns:p="http://schemas.openxmlformats.org/presentationml/2006/main">
   <p:cSld>
     <p:spTree>
@@ -8377,8 +8105,10 @@
               <a:rPr lang="pl-PL" sz="1200" dirty="0" smtClean="0">
                 <a:latin typeface="Lucida Console" panose="020B0609040504020204" pitchFamily="49" charset="0"/>
               </a:rPr>
-              <a:t>) </a:t>
-            </a:r>
+              <a:t>)</a:t>
+            </a:r>
+          </a:p>
+          <a:p>
             <a:endParaRPr lang="pl-PL" sz="1200" dirty="0">
               <a:latin typeface="Lucida Console" panose="020B0609040504020204" pitchFamily="49" charset="0"/>
             </a:endParaRPr>
@@ -8389,26 +8119,47 @@
             </a:endParaRPr>
           </a:p>
           <a:p>
-            <a:pPr marL="0" indent="0">
-              <a:buNone/>
-            </a:pPr>
             <a:endParaRPr lang="pl-PL" sz="1200" dirty="0" smtClean="0">
               <a:latin typeface="Lucida Console" panose="020B0609040504020204" pitchFamily="49" charset="0"/>
             </a:endParaRPr>
           </a:p>
           <a:p>
-            <a:pPr marL="0" indent="0">
-              <a:buNone/>
-            </a:pPr>
+            <a:r>
+              <a:rPr lang="pl-PL" sz="1200" dirty="0" smtClean="0">
+                <a:latin typeface="Lucida Console" panose="020B0609040504020204" pitchFamily="49" charset="0"/>
+              </a:rPr>
+              <a:t>I ponownie sprawdźmy status </a:t>
+            </a:r>
+            <a:endParaRPr lang="pl-PL" sz="1200" dirty="0">
+              <a:latin typeface="Lucida Console" panose="020B0609040504020204" pitchFamily="49" charset="0"/>
+            </a:endParaRPr>
+          </a:p>
+          <a:p>
             <a:endParaRPr lang="pl-PL" sz="1200" dirty="0" smtClean="0">
               <a:latin typeface="Lucida Console" panose="020B0609040504020204" pitchFamily="49" charset="0"/>
             </a:endParaRPr>
           </a:p>
+          <a:p>
+            <a:pPr marL="0" indent="0">
+              <a:buNone/>
+            </a:pPr>
+            <a:endParaRPr lang="pl-PL" sz="1200" dirty="0" smtClean="0">
+              <a:latin typeface="Lucida Console" panose="020B0609040504020204" pitchFamily="49" charset="0"/>
+            </a:endParaRPr>
+          </a:p>
+          <a:p>
+            <a:pPr marL="0" indent="0">
+              <a:buNone/>
+            </a:pPr>
+            <a:endParaRPr lang="pl-PL" sz="1200" dirty="0" smtClean="0">
+              <a:latin typeface="Lucida Console" panose="020B0609040504020204" pitchFamily="49" charset="0"/>
+            </a:endParaRPr>
+          </a:p>
         </p:txBody>
       </p:sp>
       <p:pic>
         <p:nvPicPr>
-          <p:cNvPr id="2" name="Picture 4"/>
+          <p:cNvPr id="4101" name="Picture 5"/>
           <p:cNvPicPr>
             <a:picLocks noChangeAspect="1" noChangeArrowheads="1"/>
           </p:cNvPicPr>
@@ -8429,8 +8180,8 @@
         </p:blipFill>
         <p:spPr bwMode="auto">
           <a:xfrm>
-            <a:off x="1187624" y="1486275"/>
-            <a:ext cx="4104456" cy="149371"/>
+            <a:off x="899592" y="1493440"/>
+            <a:ext cx="2268221" cy="99824"/>
           </a:xfrm>
           <a:prstGeom prst="rect">
             <a:avLst/>
@@ -8472,13 +8223,13 @@
       </p:pic>
       <p:pic>
         <p:nvPicPr>
-          <p:cNvPr id="3078" name="Picture 6"/>
+          <p:cNvPr id="4103" name="Picture 7"/>
           <p:cNvPicPr>
             <a:picLocks noChangeAspect="1" noChangeArrowheads="1"/>
           </p:cNvPicPr>
           <p:nvPr/>
         </p:nvPicPr>
-        <p:blipFill>
+        <p:blipFill rotWithShape="1">
           <a:blip r:embed="rId3">
             <a:extLst>
               <a:ext uri="{28A0092B-C50C-407E-A947-70E740481C1C}">
@@ -8486,15 +8237,13 @@
               </a:ext>
             </a:extLst>
           </a:blip>
-          <a:srcRect/>
-          <a:stretch>
-            <a:fillRect/>
-          </a:stretch>
+          <a:srcRect b="6840"/>
+          <a:stretch/>
         </p:blipFill>
         <p:spPr bwMode="auto">
           <a:xfrm>
-            <a:off x="1163489" y="1915096"/>
-            <a:ext cx="5253177" cy="872678"/>
+            <a:off x="899592" y="1957519"/>
+            <a:ext cx="4320481" cy="786426"/>
           </a:xfrm>
           <a:prstGeom prst="rect">
             <a:avLst/>
@@ -8536,14 +8285,76 @@
       </p:pic>
       <p:pic>
         <p:nvPicPr>
-          <p:cNvPr id="3079" name="Picture 7"/>
+          <p:cNvPr id="4104" name="Picture 8"/>
+          <p:cNvPicPr>
+            <a:picLocks noChangeAspect="1" noChangeArrowheads="1"/>
+          </p:cNvPicPr>
+          <p:nvPr/>
+        </p:nvPicPr>
+        <p:blipFill rotWithShape="1">
+          <a:blip r:embed="rId4">
+            <a:extLst>
+              <a:ext uri="{28A0092B-C50C-407E-A947-70E740481C1C}">
+                <a14:useLocalDpi xmlns:a14="http://schemas.microsoft.com/office/drawing/2010/main" val="0"/>
+              </a:ext>
+            </a:extLst>
+          </a:blip>
+          <a:srcRect/>
+          <a:stretch/>
+        </p:blipFill>
+        <p:spPr bwMode="auto">
+          <a:xfrm>
+            <a:off x="899592" y="3056883"/>
+            <a:ext cx="4436474" cy="469744"/>
+          </a:xfrm>
+          <a:prstGeom prst="rect">
+            <a:avLst/>
+          </a:prstGeom>
+          <a:noFill/>
+          <a:ln>
+            <a:noFill/>
+          </a:ln>
+          <a:effectLst/>
+          <a:extLst>
+            <a:ext uri="{909E8E84-426E-40DD-AFC4-6F175D3DCCD1}">
+              <a14:hiddenFill xmlns:a14="http://schemas.microsoft.com/office/drawing/2010/main">
+                <a:solidFill>
+                  <a:schemeClr val="accent1"/>
+                </a:solidFill>
+              </a14:hiddenFill>
+            </a:ext>
+            <a:ext uri="{91240B29-F687-4F45-9708-019B960494DF}">
+              <a14:hiddenLine xmlns:a14="http://schemas.microsoft.com/office/drawing/2010/main" w="9525">
+                <a:solidFill>
+                  <a:schemeClr val="tx1"/>
+                </a:solidFill>
+                <a:miter lim="800000"/>
+                <a:headEnd/>
+                <a:tailEnd/>
+              </a14:hiddenLine>
+            </a:ext>
+            <a:ext uri="{AF507438-7753-43E0-B8FC-AC1667EBCBE1}">
+              <a14:hiddenEffects xmlns:a14="http://schemas.microsoft.com/office/drawing/2010/main">
+                <a:effectLst>
+                  <a:outerShdw dist="35921" dir="2700000" algn="ctr" rotWithShape="0">
+                    <a:schemeClr val="bg2"/>
+                  </a:outerShdw>
+                </a:effectLst>
+              </a14:hiddenEffects>
+            </a:ext>
+          </a:extLst>
+        </p:spPr>
+      </p:pic>
+      <p:pic>
+        <p:nvPicPr>
+          <p:cNvPr id="4107" name="Picture 11"/>
           <p:cNvPicPr>
             <a:picLocks noChangeAspect="1" noChangeArrowheads="1"/>
           </p:cNvPicPr>
           <p:nvPr/>
         </p:nvPicPr>
         <p:blipFill>
-          <a:blip r:embed="rId4">
+          <a:blip r:embed="rId5">
             <a:extLst>
               <a:ext uri="{28A0092B-C50C-407E-A947-70E740481C1C}">
                 <a14:useLocalDpi xmlns:a14="http://schemas.microsoft.com/office/drawing/2010/main" val="0"/>
@@ -8557,8 +8368,8 @@
         </p:blipFill>
         <p:spPr bwMode="auto">
           <a:xfrm>
-            <a:off x="1187624" y="3075807"/>
-            <a:ext cx="4968552" cy="533182"/>
+            <a:off x="899592" y="3900173"/>
+            <a:ext cx="2348242" cy="279552"/>
           </a:xfrm>
           <a:prstGeom prst="rect">
             <a:avLst/>
@@ -8618,7 +8429,7 @@
 </p:sld>
 </file>
 
-<file path=ppt/slides/slide28.xml><?xml version="1.0" encoding="utf-8"?>
+<file path=ppt/slides/slide27.xml><?xml version="1.0" encoding="utf-8"?>
 <p:sld xmlns:a="http://schemas.openxmlformats.org/drawingml/2006/main" xmlns:r="http://schemas.openxmlformats.org/officeDocument/2006/relationships" xmlns:p="http://schemas.openxmlformats.org/presentationml/2006/main">
   <p:cSld>
     <p:spTree>
@@ -8663,7 +8474,7 @@
       </p:sp>
       <p:pic>
         <p:nvPicPr>
-          <p:cNvPr id="5123" name="Picture 3"/>
+          <p:cNvPr id="2058" name="Picture 10"/>
           <p:cNvPicPr>
             <a:picLocks noChangeAspect="1" noChangeArrowheads="1"/>
           </p:cNvPicPr>
@@ -8684,8 +8495,8 @@
         </p:blipFill>
         <p:spPr bwMode="auto">
           <a:xfrm>
-            <a:off x="899592" y="1595438"/>
-            <a:ext cx="4634329" cy="1120327"/>
+            <a:off x="899592" y="1609726"/>
+            <a:ext cx="4540943" cy="1027178"/>
           </a:xfrm>
           <a:prstGeom prst="rect">
             <a:avLst/>
@@ -8745,7 +8556,7 @@
 </p:sld>
 </file>
 
-<file path=ppt/slides/slide29.xml><?xml version="1.0" encoding="utf-8"?>
+<file path=ppt/slides/slide28.xml><?xml version="1.0" encoding="utf-8"?>
 <p:sld xmlns:a="http://schemas.openxmlformats.org/drawingml/2006/main" xmlns:r="http://schemas.openxmlformats.org/officeDocument/2006/relationships" xmlns:p="http://schemas.openxmlformats.org/presentationml/2006/main">
   <p:cSld>
     <p:spTree>
@@ -9069,6 +8880,270 @@
     <p:extLst>
       <p:ext uri="{BB962C8B-B14F-4D97-AF65-F5344CB8AC3E}">
         <p14:creationId xmlns:p14="http://schemas.microsoft.com/office/powerpoint/2010/main" val="1449403051"/>
+      </p:ext>
+    </p:extLst>
+  </p:cSld>
+  <p:clrMapOvr>
+    <a:masterClrMapping/>
+  </p:clrMapOvr>
+  <p:timing>
+    <p:tnLst>
+      <p:par>
+        <p:cTn id="1" dur="indefinite" restart="never" nodeType="tmRoot"/>
+      </p:par>
+    </p:tnLst>
+  </p:timing>
+</p:sld>
+</file>
+
+<file path=ppt/slides/slide29.xml><?xml version="1.0" encoding="utf-8"?>
+<p:sld xmlns:a="http://schemas.openxmlformats.org/drawingml/2006/main" xmlns:r="http://schemas.openxmlformats.org/officeDocument/2006/relationships" xmlns:p="http://schemas.openxmlformats.org/presentationml/2006/main">
+  <p:cSld>
+    <p:bg>
+      <p:bgPr>
+        <a:blipFill dpi="0" rotWithShape="1">
+          <a:blip r:embed="rId2">
+            <a:lum/>
+          </a:blip>
+          <a:srcRect/>
+          <a:stretch>
+            <a:fillRect/>
+          </a:stretch>
+        </a:blipFill>
+        <a:effectLst/>
+      </p:bgPr>
+    </p:bg>
+    <p:spTree>
+      <p:nvGrpSpPr>
+        <p:cNvPr id="1" name=""/>
+        <p:cNvGrpSpPr/>
+        <p:nvPr/>
+      </p:nvGrpSpPr>
+      <p:grpSpPr>
+        <a:xfrm>
+          <a:off x="0" y="0"/>
+          <a:ext cx="0" cy="0"/>
+          <a:chOff x="0" y="0"/>
+          <a:chExt cx="0" cy="0"/>
+        </a:xfrm>
+      </p:grpSpPr>
+      <p:sp>
+        <p:nvSpPr>
+          <p:cNvPr id="4" name="pole tekstowe 3"/>
+          <p:cNvSpPr txBox="1"/>
+          <p:nvPr/>
+        </p:nvSpPr>
+        <p:spPr>
+          <a:xfrm>
+            <a:off x="467544" y="4011910"/>
+            <a:ext cx="2592288" cy="784830"/>
+          </a:xfrm>
+          <a:prstGeom prst="rect">
+            <a:avLst/>
+          </a:prstGeom>
+          <a:noFill/>
+        </p:spPr>
+        <p:txBody>
+          <a:bodyPr wrap="square" rtlCol="0">
+            <a:spAutoFit/>
+          </a:bodyPr>
+          <a:lstStyle/>
+          <a:p>
+            <a:endParaRPr lang="pl-PL" sz="900" dirty="0" smtClean="0">
+              <a:latin typeface="Verdana" panose="020B0604030504040204" pitchFamily="34" charset="0"/>
+              <a:ea typeface="Verdana" panose="020B0604030504040204" pitchFamily="34" charset="0"/>
+            </a:endParaRPr>
+          </a:p>
+          <a:p>
+            <a:endParaRPr lang="pl-PL" sz="900" dirty="0">
+              <a:latin typeface="Verdana" panose="020B0604030504040204" pitchFamily="34" charset="0"/>
+              <a:ea typeface="Verdana" panose="020B0604030504040204" pitchFamily="34" charset="0"/>
+            </a:endParaRPr>
+          </a:p>
+          <a:p>
+            <a:r>
+              <a:rPr lang="pl-PL" sz="900" dirty="0" smtClean="0">
+                <a:latin typeface="Verdana" panose="020B0604030504040204" pitchFamily="34" charset="0"/>
+                <a:ea typeface="Verdana" panose="020B0604030504040204" pitchFamily="34" charset="0"/>
+              </a:rPr>
+              <a:t>ZAKŁADY MECHANICZNE „TARNÓW” S.A.</a:t>
+            </a:r>
+          </a:p>
+          <a:p>
+            <a:r>
+              <a:rPr lang="pl-PL" sz="900" dirty="0" smtClean="0">
+                <a:latin typeface="Verdana" panose="020B0604030504040204" pitchFamily="34" charset="0"/>
+                <a:ea typeface="Verdana" panose="020B0604030504040204" pitchFamily="34" charset="0"/>
+              </a:rPr>
+              <a:t>UL. KOCHANOWSKIEGO 30</a:t>
+            </a:r>
+          </a:p>
+          <a:p>
+            <a:r>
+              <a:rPr lang="pl-PL" sz="900" dirty="0" smtClean="0">
+                <a:latin typeface="Verdana" panose="020B0604030504040204" pitchFamily="34" charset="0"/>
+                <a:ea typeface="Verdana" panose="020B0604030504040204" pitchFamily="34" charset="0"/>
+              </a:rPr>
+              <a:t>33-100 TARNÓW</a:t>
+            </a:r>
+            <a:endParaRPr lang="en-US" sz="900" dirty="0">
+              <a:latin typeface="Verdana" panose="020B0604030504040204" pitchFamily="34" charset="0"/>
+              <a:ea typeface="Verdana" panose="020B0604030504040204" pitchFamily="34" charset="0"/>
+            </a:endParaRPr>
+          </a:p>
+        </p:txBody>
+      </p:sp>
+      <p:sp>
+        <p:nvSpPr>
+          <p:cNvPr id="5" name="pole tekstowe 4"/>
+          <p:cNvSpPr txBox="1"/>
+          <p:nvPr/>
+        </p:nvSpPr>
+        <p:spPr>
+          <a:xfrm>
+            <a:off x="3059832" y="4011910"/>
+            <a:ext cx="2592288" cy="923330"/>
+          </a:xfrm>
+          <a:prstGeom prst="rect">
+            <a:avLst/>
+          </a:prstGeom>
+          <a:noFill/>
+        </p:spPr>
+        <p:txBody>
+          <a:bodyPr wrap="square" rtlCol="0">
+            <a:spAutoFit/>
+          </a:bodyPr>
+          <a:lstStyle/>
+          <a:p>
+            <a:endParaRPr lang="pl-PL" sz="900" dirty="0" smtClean="0">
+              <a:latin typeface="Verdana" panose="020B0604030504040204" pitchFamily="34" charset="0"/>
+              <a:ea typeface="Verdana" panose="020B0604030504040204" pitchFamily="34" charset="0"/>
+            </a:endParaRPr>
+          </a:p>
+          <a:p>
+            <a:endParaRPr lang="pl-PL" sz="900" dirty="0">
+              <a:latin typeface="Verdana" panose="020B0604030504040204" pitchFamily="34" charset="0"/>
+              <a:ea typeface="Verdana" panose="020B0604030504040204" pitchFamily="34" charset="0"/>
+            </a:endParaRPr>
+          </a:p>
+          <a:p>
+            <a:r>
+              <a:rPr lang="pl-PL" sz="900" dirty="0" smtClean="0">
+                <a:latin typeface="Verdana" panose="020B0604030504040204" pitchFamily="34" charset="0"/>
+                <a:ea typeface="Verdana" panose="020B0604030504040204" pitchFamily="34" charset="0"/>
+              </a:rPr>
+              <a:t>TEL. (+48) 14 630 62 00</a:t>
+            </a:r>
+          </a:p>
+          <a:p>
+            <a:r>
+              <a:rPr lang="pl-PL" sz="900" dirty="0" smtClean="0">
+                <a:latin typeface="Verdana" panose="020B0604030504040204" pitchFamily="34" charset="0"/>
+                <a:ea typeface="Verdana" panose="020B0604030504040204" pitchFamily="34" charset="0"/>
+              </a:rPr>
+              <a:t>FAKS (+48) 14 630 62 04</a:t>
+            </a:r>
+          </a:p>
+          <a:p>
+            <a:r>
+              <a:rPr lang="pl-PL" sz="900" dirty="0" smtClean="0">
+                <a:latin typeface="Verdana" panose="020B0604030504040204" pitchFamily="34" charset="0"/>
+                <a:ea typeface="Verdana" panose="020B0604030504040204" pitchFamily="34" charset="0"/>
+              </a:rPr>
+              <a:t>ZMT@ZMT.TARNOW.PL</a:t>
+            </a:r>
+          </a:p>
+          <a:p>
+            <a:r>
+              <a:rPr lang="pl-PL" sz="900" dirty="0" smtClean="0">
+                <a:latin typeface="Verdana" panose="020B0604030504040204" pitchFamily="34" charset="0"/>
+                <a:ea typeface="Verdana" panose="020B0604030504040204" pitchFamily="34" charset="0"/>
+              </a:rPr>
+              <a:t>WWW.ZMT.TARNOW.PL</a:t>
+            </a:r>
+            <a:endParaRPr lang="en-US" sz="900" dirty="0">
+              <a:latin typeface="Verdana" panose="020B0604030504040204" pitchFamily="34" charset="0"/>
+              <a:ea typeface="Verdana" panose="020B0604030504040204" pitchFamily="34" charset="0"/>
+            </a:endParaRPr>
+          </a:p>
+        </p:txBody>
+      </p:sp>
+      <p:sp>
+        <p:nvSpPr>
+          <p:cNvPr id="6" name="pole tekstowe 5"/>
+          <p:cNvSpPr txBox="1"/>
+          <p:nvPr/>
+        </p:nvSpPr>
+        <p:spPr>
+          <a:xfrm>
+            <a:off x="467544" y="3507854"/>
+            <a:ext cx="2376264" cy="369332"/>
+          </a:xfrm>
+          <a:prstGeom prst="rect">
+            <a:avLst/>
+          </a:prstGeom>
+          <a:noFill/>
+        </p:spPr>
+        <p:txBody>
+          <a:bodyPr wrap="square" rtlCol="0">
+            <a:spAutoFit/>
+          </a:bodyPr>
+          <a:lstStyle/>
+          <a:p>
+            <a:r>
+              <a:rPr lang="pl-PL" dirty="0" smtClean="0">
+                <a:latin typeface="Verdana" panose="020B0604030504040204" pitchFamily="34" charset="0"/>
+                <a:ea typeface="Verdana" panose="020B0604030504040204" pitchFamily="34" charset="0"/>
+              </a:rPr>
+              <a:t>TARNÓW 2020</a:t>
+            </a:r>
+            <a:endParaRPr lang="en-US" dirty="0">
+              <a:latin typeface="Verdana" panose="020B0604030504040204" pitchFamily="34" charset="0"/>
+              <a:ea typeface="Verdana" panose="020B0604030504040204" pitchFamily="34" charset="0"/>
+            </a:endParaRPr>
+          </a:p>
+        </p:txBody>
+      </p:sp>
+      <p:sp>
+        <p:nvSpPr>
+          <p:cNvPr id="7" name="pole tekstowe 6"/>
+          <p:cNvSpPr txBox="1"/>
+          <p:nvPr/>
+        </p:nvSpPr>
+        <p:spPr>
+          <a:xfrm>
+            <a:off x="467544" y="2412404"/>
+            <a:ext cx="2952328" cy="584775"/>
+          </a:xfrm>
+          <a:prstGeom prst="rect">
+            <a:avLst/>
+          </a:prstGeom>
+          <a:noFill/>
+        </p:spPr>
+        <p:txBody>
+          <a:bodyPr wrap="square" rtlCol="0">
+            <a:spAutoFit/>
+          </a:bodyPr>
+          <a:lstStyle/>
+          <a:p>
+            <a:r>
+              <a:rPr lang="pl-PL" sz="3200" dirty="0" smtClean="0">
+                <a:latin typeface="Verdana" panose="020B0604030504040204" pitchFamily="34" charset="0"/>
+                <a:ea typeface="Verdana" panose="020B0604030504040204" pitchFamily="34" charset="0"/>
+              </a:rPr>
+              <a:t>DZIĘKUJEMY</a:t>
+            </a:r>
+            <a:endParaRPr lang="en-US" sz="3200" dirty="0">
+              <a:latin typeface="Verdana" panose="020B0604030504040204" pitchFamily="34" charset="0"/>
+              <a:ea typeface="Verdana" panose="020B0604030504040204" pitchFamily="34" charset="0"/>
+            </a:endParaRPr>
+          </a:p>
+        </p:txBody>
+      </p:sp>
+    </p:spTree>
+    <p:extLst>
+      <p:ext uri="{BB962C8B-B14F-4D97-AF65-F5344CB8AC3E}">
+        <p14:creationId xmlns:p14="http://schemas.microsoft.com/office/powerpoint/2010/main" val="397827909"/>
       </p:ext>
     </p:extLst>
   </p:cSld>
@@ -9332,270 +9407,6 @@
     <p:extLst>
       <p:ext uri="{BB962C8B-B14F-4D97-AF65-F5344CB8AC3E}">
         <p14:creationId xmlns:p14="http://schemas.microsoft.com/office/powerpoint/2010/main" val="2453797946"/>
-      </p:ext>
-    </p:extLst>
-  </p:cSld>
-  <p:clrMapOvr>
-    <a:masterClrMapping/>
-  </p:clrMapOvr>
-  <p:timing>
-    <p:tnLst>
-      <p:par>
-        <p:cTn id="1" dur="indefinite" restart="never" nodeType="tmRoot"/>
-      </p:par>
-    </p:tnLst>
-  </p:timing>
-</p:sld>
-</file>
-
-<file path=ppt/slides/slide30.xml><?xml version="1.0" encoding="utf-8"?>
-<p:sld xmlns:a="http://schemas.openxmlformats.org/drawingml/2006/main" xmlns:r="http://schemas.openxmlformats.org/officeDocument/2006/relationships" xmlns:p="http://schemas.openxmlformats.org/presentationml/2006/main">
-  <p:cSld>
-    <p:bg>
-      <p:bgPr>
-        <a:blipFill dpi="0" rotWithShape="1">
-          <a:blip r:embed="rId2">
-            <a:lum/>
-          </a:blip>
-          <a:srcRect/>
-          <a:stretch>
-            <a:fillRect/>
-          </a:stretch>
-        </a:blipFill>
-        <a:effectLst/>
-      </p:bgPr>
-    </p:bg>
-    <p:spTree>
-      <p:nvGrpSpPr>
-        <p:cNvPr id="1" name=""/>
-        <p:cNvGrpSpPr/>
-        <p:nvPr/>
-      </p:nvGrpSpPr>
-      <p:grpSpPr>
-        <a:xfrm>
-          <a:off x="0" y="0"/>
-          <a:ext cx="0" cy="0"/>
-          <a:chOff x="0" y="0"/>
-          <a:chExt cx="0" cy="0"/>
-        </a:xfrm>
-      </p:grpSpPr>
-      <p:sp>
-        <p:nvSpPr>
-          <p:cNvPr id="4" name="pole tekstowe 3"/>
-          <p:cNvSpPr txBox="1"/>
-          <p:nvPr/>
-        </p:nvSpPr>
-        <p:spPr>
-          <a:xfrm>
-            <a:off x="467544" y="4011910"/>
-            <a:ext cx="2592288" cy="784830"/>
-          </a:xfrm>
-          <a:prstGeom prst="rect">
-            <a:avLst/>
-          </a:prstGeom>
-          <a:noFill/>
-        </p:spPr>
-        <p:txBody>
-          <a:bodyPr wrap="square" rtlCol="0">
-            <a:spAutoFit/>
-          </a:bodyPr>
-          <a:lstStyle/>
-          <a:p>
-            <a:endParaRPr lang="pl-PL" sz="900" dirty="0" smtClean="0">
-              <a:latin typeface="Verdana" panose="020B0604030504040204" pitchFamily="34" charset="0"/>
-              <a:ea typeface="Verdana" panose="020B0604030504040204" pitchFamily="34" charset="0"/>
-            </a:endParaRPr>
-          </a:p>
-          <a:p>
-            <a:endParaRPr lang="pl-PL" sz="900" dirty="0">
-              <a:latin typeface="Verdana" panose="020B0604030504040204" pitchFamily="34" charset="0"/>
-              <a:ea typeface="Verdana" panose="020B0604030504040204" pitchFamily="34" charset="0"/>
-            </a:endParaRPr>
-          </a:p>
-          <a:p>
-            <a:r>
-              <a:rPr lang="pl-PL" sz="900" dirty="0" smtClean="0">
-                <a:latin typeface="Verdana" panose="020B0604030504040204" pitchFamily="34" charset="0"/>
-                <a:ea typeface="Verdana" panose="020B0604030504040204" pitchFamily="34" charset="0"/>
-              </a:rPr>
-              <a:t>ZAKŁADY MECHANICZNE „TARNÓW” S.A.</a:t>
-            </a:r>
-          </a:p>
-          <a:p>
-            <a:r>
-              <a:rPr lang="pl-PL" sz="900" dirty="0" smtClean="0">
-                <a:latin typeface="Verdana" panose="020B0604030504040204" pitchFamily="34" charset="0"/>
-                <a:ea typeface="Verdana" panose="020B0604030504040204" pitchFamily="34" charset="0"/>
-              </a:rPr>
-              <a:t>UL. KOCHANOWSKIEGO 30</a:t>
-            </a:r>
-          </a:p>
-          <a:p>
-            <a:r>
-              <a:rPr lang="pl-PL" sz="900" dirty="0" smtClean="0">
-                <a:latin typeface="Verdana" panose="020B0604030504040204" pitchFamily="34" charset="0"/>
-                <a:ea typeface="Verdana" panose="020B0604030504040204" pitchFamily="34" charset="0"/>
-              </a:rPr>
-              <a:t>33-100 TARNÓW</a:t>
-            </a:r>
-            <a:endParaRPr lang="en-US" sz="900" dirty="0">
-              <a:latin typeface="Verdana" panose="020B0604030504040204" pitchFamily="34" charset="0"/>
-              <a:ea typeface="Verdana" panose="020B0604030504040204" pitchFamily="34" charset="0"/>
-            </a:endParaRPr>
-          </a:p>
-        </p:txBody>
-      </p:sp>
-      <p:sp>
-        <p:nvSpPr>
-          <p:cNvPr id="5" name="pole tekstowe 4"/>
-          <p:cNvSpPr txBox="1"/>
-          <p:nvPr/>
-        </p:nvSpPr>
-        <p:spPr>
-          <a:xfrm>
-            <a:off x="3059832" y="4011910"/>
-            <a:ext cx="2592288" cy="923330"/>
-          </a:xfrm>
-          <a:prstGeom prst="rect">
-            <a:avLst/>
-          </a:prstGeom>
-          <a:noFill/>
-        </p:spPr>
-        <p:txBody>
-          <a:bodyPr wrap="square" rtlCol="0">
-            <a:spAutoFit/>
-          </a:bodyPr>
-          <a:lstStyle/>
-          <a:p>
-            <a:endParaRPr lang="pl-PL" sz="900" dirty="0" smtClean="0">
-              <a:latin typeface="Verdana" panose="020B0604030504040204" pitchFamily="34" charset="0"/>
-              <a:ea typeface="Verdana" panose="020B0604030504040204" pitchFamily="34" charset="0"/>
-            </a:endParaRPr>
-          </a:p>
-          <a:p>
-            <a:endParaRPr lang="pl-PL" sz="900" dirty="0">
-              <a:latin typeface="Verdana" panose="020B0604030504040204" pitchFamily="34" charset="0"/>
-              <a:ea typeface="Verdana" panose="020B0604030504040204" pitchFamily="34" charset="0"/>
-            </a:endParaRPr>
-          </a:p>
-          <a:p>
-            <a:r>
-              <a:rPr lang="pl-PL" sz="900" dirty="0" smtClean="0">
-                <a:latin typeface="Verdana" panose="020B0604030504040204" pitchFamily="34" charset="0"/>
-                <a:ea typeface="Verdana" panose="020B0604030504040204" pitchFamily="34" charset="0"/>
-              </a:rPr>
-              <a:t>TEL. (+48) 14 630 62 00</a:t>
-            </a:r>
-          </a:p>
-          <a:p>
-            <a:r>
-              <a:rPr lang="pl-PL" sz="900" dirty="0" smtClean="0">
-                <a:latin typeface="Verdana" panose="020B0604030504040204" pitchFamily="34" charset="0"/>
-                <a:ea typeface="Verdana" panose="020B0604030504040204" pitchFamily="34" charset="0"/>
-              </a:rPr>
-              <a:t>FAKS (+48) 14 630 62 04</a:t>
-            </a:r>
-          </a:p>
-          <a:p>
-            <a:r>
-              <a:rPr lang="pl-PL" sz="900" dirty="0" smtClean="0">
-                <a:latin typeface="Verdana" panose="020B0604030504040204" pitchFamily="34" charset="0"/>
-                <a:ea typeface="Verdana" panose="020B0604030504040204" pitchFamily="34" charset="0"/>
-              </a:rPr>
-              <a:t>ZMT@ZMT.TARNOW.PL</a:t>
-            </a:r>
-          </a:p>
-          <a:p>
-            <a:r>
-              <a:rPr lang="pl-PL" sz="900" dirty="0" smtClean="0">
-                <a:latin typeface="Verdana" panose="020B0604030504040204" pitchFamily="34" charset="0"/>
-                <a:ea typeface="Verdana" panose="020B0604030504040204" pitchFamily="34" charset="0"/>
-              </a:rPr>
-              <a:t>WWW.ZMT.TARNOW.PL</a:t>
-            </a:r>
-            <a:endParaRPr lang="en-US" sz="900" dirty="0">
-              <a:latin typeface="Verdana" panose="020B0604030504040204" pitchFamily="34" charset="0"/>
-              <a:ea typeface="Verdana" panose="020B0604030504040204" pitchFamily="34" charset="0"/>
-            </a:endParaRPr>
-          </a:p>
-        </p:txBody>
-      </p:sp>
-      <p:sp>
-        <p:nvSpPr>
-          <p:cNvPr id="6" name="pole tekstowe 5"/>
-          <p:cNvSpPr txBox="1"/>
-          <p:nvPr/>
-        </p:nvSpPr>
-        <p:spPr>
-          <a:xfrm>
-            <a:off x="467544" y="3507854"/>
-            <a:ext cx="2376264" cy="369332"/>
-          </a:xfrm>
-          <a:prstGeom prst="rect">
-            <a:avLst/>
-          </a:prstGeom>
-          <a:noFill/>
-        </p:spPr>
-        <p:txBody>
-          <a:bodyPr wrap="square" rtlCol="0">
-            <a:spAutoFit/>
-          </a:bodyPr>
-          <a:lstStyle/>
-          <a:p>
-            <a:r>
-              <a:rPr lang="pl-PL" dirty="0" smtClean="0">
-                <a:latin typeface="Verdana" panose="020B0604030504040204" pitchFamily="34" charset="0"/>
-                <a:ea typeface="Verdana" panose="020B0604030504040204" pitchFamily="34" charset="0"/>
-              </a:rPr>
-              <a:t>TARNÓW 2020</a:t>
-            </a:r>
-            <a:endParaRPr lang="en-US" dirty="0">
-              <a:latin typeface="Verdana" panose="020B0604030504040204" pitchFamily="34" charset="0"/>
-              <a:ea typeface="Verdana" panose="020B0604030504040204" pitchFamily="34" charset="0"/>
-            </a:endParaRPr>
-          </a:p>
-        </p:txBody>
-      </p:sp>
-      <p:sp>
-        <p:nvSpPr>
-          <p:cNvPr id="7" name="pole tekstowe 6"/>
-          <p:cNvSpPr txBox="1"/>
-          <p:nvPr/>
-        </p:nvSpPr>
-        <p:spPr>
-          <a:xfrm>
-            <a:off x="467544" y="2412404"/>
-            <a:ext cx="2952328" cy="584775"/>
-          </a:xfrm>
-          <a:prstGeom prst="rect">
-            <a:avLst/>
-          </a:prstGeom>
-          <a:noFill/>
-        </p:spPr>
-        <p:txBody>
-          <a:bodyPr wrap="square" rtlCol="0">
-            <a:spAutoFit/>
-          </a:bodyPr>
-          <a:lstStyle/>
-          <a:p>
-            <a:r>
-              <a:rPr lang="pl-PL" sz="3200" dirty="0" smtClean="0">
-                <a:latin typeface="Verdana" panose="020B0604030504040204" pitchFamily="34" charset="0"/>
-                <a:ea typeface="Verdana" panose="020B0604030504040204" pitchFamily="34" charset="0"/>
-              </a:rPr>
-              <a:t>DZIĘKUJEMY</a:t>
-            </a:r>
-            <a:endParaRPr lang="en-US" sz="3200" dirty="0">
-              <a:latin typeface="Verdana" panose="020B0604030504040204" pitchFamily="34" charset="0"/>
-              <a:ea typeface="Verdana" panose="020B0604030504040204" pitchFamily="34" charset="0"/>
-            </a:endParaRPr>
-          </a:p>
-        </p:txBody>
-      </p:sp>
-    </p:spTree>
-    <p:extLst>
-      <p:ext uri="{BB962C8B-B14F-4D97-AF65-F5344CB8AC3E}">
-        <p14:creationId xmlns:p14="http://schemas.microsoft.com/office/powerpoint/2010/main" val="397827909"/>
       </p:ext>
     </p:extLst>
   </p:cSld>
